--- a/files/lectures/scheduling.pptx
+++ b/files/lectures/scheduling.pptx
@@ -244,7 +244,7 @@
           <a:p>
             <a:fld id="{90968C49-1136-4CD6-BF84-09BF06A9E6ED}" type="datetimeFigureOut">
               <a:rPr lang="en-US" smtClean="0"/>
-              <a:t>1/12/2024</a:t>
+              <a:t>1/16/2024</a:t>
             </a:fld>
             <a:endParaRPr lang="en-US"/>
           </a:p>
@@ -3672,7 +3672,7 @@
           <a:p>
             <a:fld id="{11008460-8B2F-4AAA-A4E2-10730069204C}" type="datetimeFigureOut">
               <a:rPr lang="en-US" smtClean="0"/>
-              <a:t>1/12/2024</a:t>
+              <a:t>1/16/2024</a:t>
             </a:fld>
             <a:endParaRPr lang="en-US"/>
           </a:p>
@@ -6016,7 +6016,7 @@
           <a:p>
             <a:fld id="{11008460-8B2F-4AAA-A4E2-10730069204C}" type="datetimeFigureOut">
               <a:rPr lang="en-US" smtClean="0"/>
-              <a:t>1/12/2024</a:t>
+              <a:t>1/16/2024</a:t>
             </a:fld>
             <a:endParaRPr lang="en-US"/>
           </a:p>
@@ -8360,7 +8360,7 @@
           <a:p>
             <a:fld id="{11008460-8B2F-4AAA-A4E2-10730069204C}" type="datetimeFigureOut">
               <a:rPr lang="en-US" smtClean="0"/>
-              <a:t>1/12/2024</a:t>
+              <a:t>1/16/2024</a:t>
             </a:fld>
             <a:endParaRPr lang="en-US"/>
           </a:p>
@@ -8802,7 +8802,7 @@
           <a:p>
             <a:fld id="{11008460-8B2F-4AAA-A4E2-10730069204C}" type="datetimeFigureOut">
               <a:rPr lang="en-US" smtClean="0"/>
-              <a:t>1/12/2024</a:t>
+              <a:t>1/16/2024</a:t>
             </a:fld>
             <a:endParaRPr lang="en-US"/>
           </a:p>
@@ -9075,7 +9075,7 @@
           <a:p>
             <a:fld id="{11008460-8B2F-4AAA-A4E2-10730069204C}" type="datetimeFigureOut">
               <a:rPr lang="en-US" smtClean="0"/>
-              <a:t>1/12/2024</a:t>
+              <a:t>1/16/2024</a:t>
             </a:fld>
             <a:endParaRPr lang="en-US"/>
           </a:p>
@@ -9340,7 +9340,7 @@
           <a:p>
             <a:fld id="{11008460-8B2F-4AAA-A4E2-10730069204C}" type="datetimeFigureOut">
               <a:rPr lang="en-US" smtClean="0"/>
-              <a:t>1/12/2024</a:t>
+              <a:t>1/16/2024</a:t>
             </a:fld>
             <a:endParaRPr lang="en-US"/>
           </a:p>
@@ -9756,7 +9756,7 @@
           <a:p>
             <a:fld id="{11008460-8B2F-4AAA-A4E2-10730069204C}" type="datetimeFigureOut">
               <a:rPr lang="en-US" smtClean="0"/>
-              <a:t>1/12/2024</a:t>
+              <a:t>1/16/2024</a:t>
             </a:fld>
             <a:endParaRPr lang="en-US"/>
           </a:p>
@@ -9897,7 +9897,7 @@
           <a:p>
             <a:fld id="{11008460-8B2F-4AAA-A4E2-10730069204C}" type="datetimeFigureOut">
               <a:rPr lang="en-US" smtClean="0"/>
-              <a:t>1/12/2024</a:t>
+              <a:t>1/16/2024</a:t>
             </a:fld>
             <a:endParaRPr lang="en-US"/>
           </a:p>
@@ -10010,7 +10010,7 @@
           <a:p>
             <a:fld id="{11008460-8B2F-4AAA-A4E2-10730069204C}" type="datetimeFigureOut">
               <a:rPr lang="en-US" smtClean="0"/>
-              <a:t>1/12/2024</a:t>
+              <a:t>1/16/2024</a:t>
             </a:fld>
             <a:endParaRPr lang="en-US"/>
           </a:p>
@@ -10321,7 +10321,7 @@
           <a:p>
             <a:fld id="{11008460-8B2F-4AAA-A4E2-10730069204C}" type="datetimeFigureOut">
               <a:rPr lang="en-US" smtClean="0"/>
-              <a:t>1/12/2024</a:t>
+              <a:t>1/16/2024</a:t>
             </a:fld>
             <a:endParaRPr lang="en-US"/>
           </a:p>
@@ -10609,7 +10609,7 @@
           <a:p>
             <a:fld id="{11008460-8B2F-4AAA-A4E2-10730069204C}" type="datetimeFigureOut">
               <a:rPr lang="en-US" smtClean="0"/>
-              <a:t>1/12/2024</a:t>
+              <a:t>1/16/2024</a:t>
             </a:fld>
             <a:endParaRPr lang="en-US"/>
           </a:p>
@@ -12987,7 +12987,7 @@
             <a:fld id="{11008460-8B2F-4AAA-A4E2-10730069204C}" type="datetimeFigureOut">
               <a:rPr lang="en-US" smtClean="0"/>
               <a:pPr/>
-              <a:t>1/12/2024</a:t>
+              <a:t>1/16/2024</a:t>
             </a:fld>
             <a:endParaRPr lang="en-US" dirty="0"/>
           </a:p>
@@ -29413,14 +29413,19 @@
             <p:ph type="title"/>
           </p:nvPr>
         </p:nvSpPr>
-        <p:spPr/>
+        <p:spPr>
+          <a:xfrm>
+            <a:off x="966744" y="473812"/>
+            <a:ext cx="9076329" cy="1064277"/>
+          </a:xfrm>
+        </p:spPr>
         <p:txBody>
           <a:bodyPr/>
           <a:lstStyle/>
           <a:p>
             <a:pPr eaLnBrk="1" hangingPunct="1"/>
             <a:r>
-              <a:rPr lang="en-US" altLang="en-US"/>
+              <a:rPr lang="en-US" altLang="en-US" dirty="0"/>
               <a:t>Predicting the Future</a:t>
             </a:r>
           </a:p>
